--- a/ppt 16-9/1553.领我到祢宝血里.pptx
+++ b/ppt 16-9/1553.领我到祢宝血里.pptx
@@ -5,7 +5,7 @@
     <p:sldMasterId id="2147483648" r:id="rId1"/>
   </p:sldMasterIdLst>
   <p:sldIdLst>
-    <p:sldId id="3405" r:id="rId2"/>
+    <p:sldId id="3406" r:id="rId2"/>
   </p:sldIdLst>
   <p:sldSz cx="12192000" cy="6858000"/>
   <p:notesSz cx="6858000" cy="9144000"/>
@@ -129,7 +129,7 @@
           <p:cNvPr id="2" name="标题 1">
             <a:extLst>
               <a:ext uri="{FF2B5EF4-FFF2-40B4-BE49-F238E27FC236}">
-                <a16:creationId xmlns:a16="http://schemas.microsoft.com/office/drawing/2014/main" id="{738D3AB5-9C2F-46D6-8C00-B2BD0C7401BC}"/>
+                <a16:creationId xmlns:a16="http://schemas.microsoft.com/office/drawing/2014/main" id="{6F3F2365-E22B-C703-DF55-92FCB1009440}"/>
               </a:ext>
             </a:extLst>
           </p:cNvPr>
@@ -166,7 +166,7 @@
           <p:cNvPr id="3" name="副标题 2">
             <a:extLst>
               <a:ext uri="{FF2B5EF4-FFF2-40B4-BE49-F238E27FC236}">
-                <a16:creationId xmlns:a16="http://schemas.microsoft.com/office/drawing/2014/main" id="{39DD10E4-27BD-95D5-139D-6B4A8C94340A}"/>
+                <a16:creationId xmlns:a16="http://schemas.microsoft.com/office/drawing/2014/main" id="{7F282AA6-A74A-FADF-5E46-7890DB6F6C54}"/>
               </a:ext>
             </a:extLst>
           </p:cNvPr>
@@ -236,7 +236,7 @@
           <p:cNvPr id="4" name="日期占位符 3">
             <a:extLst>
               <a:ext uri="{FF2B5EF4-FFF2-40B4-BE49-F238E27FC236}">
-                <a16:creationId xmlns:a16="http://schemas.microsoft.com/office/drawing/2014/main" id="{663700B5-9EB1-7B59-0018-2B8C5626AB8B}"/>
+                <a16:creationId xmlns:a16="http://schemas.microsoft.com/office/drawing/2014/main" id="{AE910E3F-1ED2-BFEC-74F8-081E55565F0B}"/>
               </a:ext>
             </a:extLst>
           </p:cNvPr>
@@ -252,7 +252,7 @@
           <a:bodyPr/>
           <a:lstStyle/>
           <a:p>
-            <a:fld id="{315D17DD-693D-41C5-9A22-4743F470EB0E}" type="datetimeFigureOut">
+            <a:fld id="{4225D166-6BE1-48A0-9DF5-9CD146FD6A7F}" type="datetimeFigureOut">
               <a:rPr lang="zh-CN" altLang="en-US" smtClean="0"/>
               <a:t>2024/3/10</a:t>
             </a:fld>
@@ -265,7 +265,7 @@
           <p:cNvPr id="5" name="页脚占位符 4">
             <a:extLst>
               <a:ext uri="{FF2B5EF4-FFF2-40B4-BE49-F238E27FC236}">
-                <a16:creationId xmlns:a16="http://schemas.microsoft.com/office/drawing/2014/main" id="{A5D6917E-570C-F642-4E8D-CCB4AFB55EFE}"/>
+                <a16:creationId xmlns:a16="http://schemas.microsoft.com/office/drawing/2014/main" id="{EBA41397-DE04-A286-BC6F-215582AA2C69}"/>
               </a:ext>
             </a:extLst>
           </p:cNvPr>
@@ -290,7 +290,7 @@
           <p:cNvPr id="6" name="灯片编号占位符 5">
             <a:extLst>
               <a:ext uri="{FF2B5EF4-FFF2-40B4-BE49-F238E27FC236}">
-                <a16:creationId xmlns:a16="http://schemas.microsoft.com/office/drawing/2014/main" id="{9857964B-A5B7-16F7-9016-BA4C55648937}"/>
+                <a16:creationId xmlns:a16="http://schemas.microsoft.com/office/drawing/2014/main" id="{4A5E3E4E-0D91-3D9F-7D44-BE6C83C33BE3}"/>
               </a:ext>
             </a:extLst>
           </p:cNvPr>
@@ -306,7 +306,7 @@
           <a:bodyPr/>
           <a:lstStyle/>
           <a:p>
-            <a:fld id="{308909E7-ADE7-4F5C-92D1-40E83BE33B02}" type="slidenum">
+            <a:fld id="{22C5EF52-341C-4D6B-BE00-1826AF84C9FD}" type="slidenum">
               <a:rPr lang="zh-CN" altLang="en-US" smtClean="0"/>
               <a:t>‹#›</a:t>
             </a:fld>
@@ -317,7 +317,7 @@
     </p:spTree>
     <p:extLst>
       <p:ext uri="{BB962C8B-B14F-4D97-AF65-F5344CB8AC3E}">
-        <p14:creationId xmlns:p14="http://schemas.microsoft.com/office/powerpoint/2010/main" val="4077882665"/>
+        <p14:creationId xmlns:p14="http://schemas.microsoft.com/office/powerpoint/2010/main" val="3524753937"/>
       </p:ext>
     </p:extLst>
   </p:cSld>
@@ -349,7 +349,7 @@
           <p:cNvPr id="2" name="标题 1">
             <a:extLst>
               <a:ext uri="{FF2B5EF4-FFF2-40B4-BE49-F238E27FC236}">
-                <a16:creationId xmlns:a16="http://schemas.microsoft.com/office/drawing/2014/main" id="{93079A98-7DF8-9107-9B8F-B67C4A764E99}"/>
+                <a16:creationId xmlns:a16="http://schemas.microsoft.com/office/drawing/2014/main" id="{038BB0B8-CCC2-7C4B-563F-29AC9981FAEB}"/>
               </a:ext>
             </a:extLst>
           </p:cNvPr>
@@ -377,7 +377,7 @@
           <p:cNvPr id="3" name="竖排文字占位符 2">
             <a:extLst>
               <a:ext uri="{FF2B5EF4-FFF2-40B4-BE49-F238E27FC236}">
-                <a16:creationId xmlns:a16="http://schemas.microsoft.com/office/drawing/2014/main" id="{CC289742-FBDC-BF60-29F3-27B0BB03FDC0}"/>
+                <a16:creationId xmlns:a16="http://schemas.microsoft.com/office/drawing/2014/main" id="{5DAA3330-55E4-0CFD-A553-302CB92D0F49}"/>
               </a:ext>
             </a:extLst>
           </p:cNvPr>
@@ -434,7 +434,7 @@
           <p:cNvPr id="4" name="日期占位符 3">
             <a:extLst>
               <a:ext uri="{FF2B5EF4-FFF2-40B4-BE49-F238E27FC236}">
-                <a16:creationId xmlns:a16="http://schemas.microsoft.com/office/drawing/2014/main" id="{FE994127-08A3-AB5E-523A-624875B07078}"/>
+                <a16:creationId xmlns:a16="http://schemas.microsoft.com/office/drawing/2014/main" id="{FBF54FAB-AA2E-8712-CFCF-940E198376AE}"/>
               </a:ext>
             </a:extLst>
           </p:cNvPr>
@@ -450,7 +450,7 @@
           <a:bodyPr/>
           <a:lstStyle/>
           <a:p>
-            <a:fld id="{315D17DD-693D-41C5-9A22-4743F470EB0E}" type="datetimeFigureOut">
+            <a:fld id="{4225D166-6BE1-48A0-9DF5-9CD146FD6A7F}" type="datetimeFigureOut">
               <a:rPr lang="zh-CN" altLang="en-US" smtClean="0"/>
               <a:t>2024/3/10</a:t>
             </a:fld>
@@ -463,7 +463,7 @@
           <p:cNvPr id="5" name="页脚占位符 4">
             <a:extLst>
               <a:ext uri="{FF2B5EF4-FFF2-40B4-BE49-F238E27FC236}">
-                <a16:creationId xmlns:a16="http://schemas.microsoft.com/office/drawing/2014/main" id="{76F49F1D-BA6D-E501-44F7-9C4CBCF8CD20}"/>
+                <a16:creationId xmlns:a16="http://schemas.microsoft.com/office/drawing/2014/main" id="{3B89443F-424C-4302-0F1C-DECF345F4EFD}"/>
               </a:ext>
             </a:extLst>
           </p:cNvPr>
@@ -488,7 +488,7 @@
           <p:cNvPr id="6" name="灯片编号占位符 5">
             <a:extLst>
               <a:ext uri="{FF2B5EF4-FFF2-40B4-BE49-F238E27FC236}">
-                <a16:creationId xmlns:a16="http://schemas.microsoft.com/office/drawing/2014/main" id="{841496FE-E274-1210-CDD0-4ED733CEB737}"/>
+                <a16:creationId xmlns:a16="http://schemas.microsoft.com/office/drawing/2014/main" id="{DF873694-D883-B18C-A60D-98BCF8476C9E}"/>
               </a:ext>
             </a:extLst>
           </p:cNvPr>
@@ -504,7 +504,7 @@
           <a:bodyPr/>
           <a:lstStyle/>
           <a:p>
-            <a:fld id="{308909E7-ADE7-4F5C-92D1-40E83BE33B02}" type="slidenum">
+            <a:fld id="{22C5EF52-341C-4D6B-BE00-1826AF84C9FD}" type="slidenum">
               <a:rPr lang="zh-CN" altLang="en-US" smtClean="0"/>
               <a:t>‹#›</a:t>
             </a:fld>
@@ -515,7 +515,7 @@
     </p:spTree>
     <p:extLst>
       <p:ext uri="{BB962C8B-B14F-4D97-AF65-F5344CB8AC3E}">
-        <p14:creationId xmlns:p14="http://schemas.microsoft.com/office/powerpoint/2010/main" val="3811915873"/>
+        <p14:creationId xmlns:p14="http://schemas.microsoft.com/office/powerpoint/2010/main" val="2136576355"/>
       </p:ext>
     </p:extLst>
   </p:cSld>
@@ -547,7 +547,7 @@
           <p:cNvPr id="2" name="竖排标题 1">
             <a:extLst>
               <a:ext uri="{FF2B5EF4-FFF2-40B4-BE49-F238E27FC236}">
-                <a16:creationId xmlns:a16="http://schemas.microsoft.com/office/drawing/2014/main" id="{07CD1BEE-37CE-8116-F5F7-D4A2B05E4531}"/>
+                <a16:creationId xmlns:a16="http://schemas.microsoft.com/office/drawing/2014/main" id="{9182CBDD-ECF9-2FFE-02F5-D94FEA1E8166}"/>
               </a:ext>
             </a:extLst>
           </p:cNvPr>
@@ -580,7 +580,7 @@
           <p:cNvPr id="3" name="竖排文字占位符 2">
             <a:extLst>
               <a:ext uri="{FF2B5EF4-FFF2-40B4-BE49-F238E27FC236}">
-                <a16:creationId xmlns:a16="http://schemas.microsoft.com/office/drawing/2014/main" id="{9F849DF5-3120-2FF0-2829-54D94407C141}"/>
+                <a16:creationId xmlns:a16="http://schemas.microsoft.com/office/drawing/2014/main" id="{8E8D138B-AFEA-60EC-0E46-0948C1013EFA}"/>
               </a:ext>
             </a:extLst>
           </p:cNvPr>
@@ -642,7 +642,7 @@
           <p:cNvPr id="4" name="日期占位符 3">
             <a:extLst>
               <a:ext uri="{FF2B5EF4-FFF2-40B4-BE49-F238E27FC236}">
-                <a16:creationId xmlns:a16="http://schemas.microsoft.com/office/drawing/2014/main" id="{3EA7B9BF-C352-47A3-8781-45AFCCEE88F0}"/>
+                <a16:creationId xmlns:a16="http://schemas.microsoft.com/office/drawing/2014/main" id="{15BF06C6-4A6E-B922-E80F-A1B9F66A2BB2}"/>
               </a:ext>
             </a:extLst>
           </p:cNvPr>
@@ -658,7 +658,7 @@
           <a:bodyPr/>
           <a:lstStyle/>
           <a:p>
-            <a:fld id="{315D17DD-693D-41C5-9A22-4743F470EB0E}" type="datetimeFigureOut">
+            <a:fld id="{4225D166-6BE1-48A0-9DF5-9CD146FD6A7F}" type="datetimeFigureOut">
               <a:rPr lang="zh-CN" altLang="en-US" smtClean="0"/>
               <a:t>2024/3/10</a:t>
             </a:fld>
@@ -671,7 +671,7 @@
           <p:cNvPr id="5" name="页脚占位符 4">
             <a:extLst>
               <a:ext uri="{FF2B5EF4-FFF2-40B4-BE49-F238E27FC236}">
-                <a16:creationId xmlns:a16="http://schemas.microsoft.com/office/drawing/2014/main" id="{143F2521-1EBE-04F6-0FF1-44B257548C6A}"/>
+                <a16:creationId xmlns:a16="http://schemas.microsoft.com/office/drawing/2014/main" id="{276C3759-EC26-44EA-6600-0BD38FBBAB25}"/>
               </a:ext>
             </a:extLst>
           </p:cNvPr>
@@ -696,7 +696,7 @@
           <p:cNvPr id="6" name="灯片编号占位符 5">
             <a:extLst>
               <a:ext uri="{FF2B5EF4-FFF2-40B4-BE49-F238E27FC236}">
-                <a16:creationId xmlns:a16="http://schemas.microsoft.com/office/drawing/2014/main" id="{B7745A3D-389F-6BEA-1822-F4B461AD9D76}"/>
+                <a16:creationId xmlns:a16="http://schemas.microsoft.com/office/drawing/2014/main" id="{FEB177DA-5266-3067-9AB9-07A163515E77}"/>
               </a:ext>
             </a:extLst>
           </p:cNvPr>
@@ -712,7 +712,7 @@
           <a:bodyPr/>
           <a:lstStyle/>
           <a:p>
-            <a:fld id="{308909E7-ADE7-4F5C-92D1-40E83BE33B02}" type="slidenum">
+            <a:fld id="{22C5EF52-341C-4D6B-BE00-1826AF84C9FD}" type="slidenum">
               <a:rPr lang="zh-CN" altLang="en-US" smtClean="0"/>
               <a:t>‹#›</a:t>
             </a:fld>
@@ -723,7 +723,7 @@
     </p:spTree>
     <p:extLst>
       <p:ext uri="{BB962C8B-B14F-4D97-AF65-F5344CB8AC3E}">
-        <p14:creationId xmlns:p14="http://schemas.microsoft.com/office/powerpoint/2010/main" val="664280722"/>
+        <p14:creationId xmlns:p14="http://schemas.microsoft.com/office/powerpoint/2010/main" val="3018236130"/>
       </p:ext>
     </p:extLst>
   </p:cSld>
@@ -755,7 +755,7 @@
           <p:cNvPr id="2" name="标题 1">
             <a:extLst>
               <a:ext uri="{FF2B5EF4-FFF2-40B4-BE49-F238E27FC236}">
-                <a16:creationId xmlns:a16="http://schemas.microsoft.com/office/drawing/2014/main" id="{91D2F56B-F534-87D7-34A7-9BBE22222AE4}"/>
+                <a16:creationId xmlns:a16="http://schemas.microsoft.com/office/drawing/2014/main" id="{BC94D831-9BDA-7761-B9C6-E49DB8695006}"/>
               </a:ext>
             </a:extLst>
           </p:cNvPr>
@@ -783,7 +783,7 @@
           <p:cNvPr id="3" name="内容占位符 2">
             <a:extLst>
               <a:ext uri="{FF2B5EF4-FFF2-40B4-BE49-F238E27FC236}">
-                <a16:creationId xmlns:a16="http://schemas.microsoft.com/office/drawing/2014/main" id="{151306D8-2019-9B39-0BCB-0C7A7E108E44}"/>
+                <a16:creationId xmlns:a16="http://schemas.microsoft.com/office/drawing/2014/main" id="{FA2EFB0D-01F7-3916-13A2-E01DB9C1FED2}"/>
               </a:ext>
             </a:extLst>
           </p:cNvPr>
@@ -840,7 +840,7 @@
           <p:cNvPr id="4" name="日期占位符 3">
             <a:extLst>
               <a:ext uri="{FF2B5EF4-FFF2-40B4-BE49-F238E27FC236}">
-                <a16:creationId xmlns:a16="http://schemas.microsoft.com/office/drawing/2014/main" id="{2FF058E2-4E83-0F9D-46F6-31AAAE3AE523}"/>
+                <a16:creationId xmlns:a16="http://schemas.microsoft.com/office/drawing/2014/main" id="{8EAA5019-4E2B-3A07-E595-D252C4D7C8B8}"/>
               </a:ext>
             </a:extLst>
           </p:cNvPr>
@@ -856,7 +856,7 @@
           <a:bodyPr/>
           <a:lstStyle/>
           <a:p>
-            <a:fld id="{315D17DD-693D-41C5-9A22-4743F470EB0E}" type="datetimeFigureOut">
+            <a:fld id="{4225D166-6BE1-48A0-9DF5-9CD146FD6A7F}" type="datetimeFigureOut">
               <a:rPr lang="zh-CN" altLang="en-US" smtClean="0"/>
               <a:t>2024/3/10</a:t>
             </a:fld>
@@ -869,7 +869,7 @@
           <p:cNvPr id="5" name="页脚占位符 4">
             <a:extLst>
               <a:ext uri="{FF2B5EF4-FFF2-40B4-BE49-F238E27FC236}">
-                <a16:creationId xmlns:a16="http://schemas.microsoft.com/office/drawing/2014/main" id="{D9C203DE-5888-A7EA-E57A-A318F9026E1D}"/>
+                <a16:creationId xmlns:a16="http://schemas.microsoft.com/office/drawing/2014/main" id="{ED50C538-0766-EE44-4D63-3124BCE68FD7}"/>
               </a:ext>
             </a:extLst>
           </p:cNvPr>
@@ -894,7 +894,7 @@
           <p:cNvPr id="6" name="灯片编号占位符 5">
             <a:extLst>
               <a:ext uri="{FF2B5EF4-FFF2-40B4-BE49-F238E27FC236}">
-                <a16:creationId xmlns:a16="http://schemas.microsoft.com/office/drawing/2014/main" id="{BEF421D6-6634-CE79-71AC-94355A78792C}"/>
+                <a16:creationId xmlns:a16="http://schemas.microsoft.com/office/drawing/2014/main" id="{AA5509E0-DD19-0B43-A95E-6052632C753B}"/>
               </a:ext>
             </a:extLst>
           </p:cNvPr>
@@ -910,7 +910,7 @@
           <a:bodyPr/>
           <a:lstStyle/>
           <a:p>
-            <a:fld id="{308909E7-ADE7-4F5C-92D1-40E83BE33B02}" type="slidenum">
+            <a:fld id="{22C5EF52-341C-4D6B-BE00-1826AF84C9FD}" type="slidenum">
               <a:rPr lang="zh-CN" altLang="en-US" smtClean="0"/>
               <a:t>‹#›</a:t>
             </a:fld>
@@ -921,7 +921,7 @@
     </p:spTree>
     <p:extLst>
       <p:ext uri="{BB962C8B-B14F-4D97-AF65-F5344CB8AC3E}">
-        <p14:creationId xmlns:p14="http://schemas.microsoft.com/office/powerpoint/2010/main" val="3181405456"/>
+        <p14:creationId xmlns:p14="http://schemas.microsoft.com/office/powerpoint/2010/main" val="3056793283"/>
       </p:ext>
     </p:extLst>
   </p:cSld>
@@ -953,7 +953,7 @@
           <p:cNvPr id="2" name="标题 1">
             <a:extLst>
               <a:ext uri="{FF2B5EF4-FFF2-40B4-BE49-F238E27FC236}">
-                <a16:creationId xmlns:a16="http://schemas.microsoft.com/office/drawing/2014/main" id="{6D27626C-EDE7-377C-B292-DEB82DC7C442}"/>
+                <a16:creationId xmlns:a16="http://schemas.microsoft.com/office/drawing/2014/main" id="{B81B7EDF-2D47-A6F9-D054-F6E245CF842A}"/>
               </a:ext>
             </a:extLst>
           </p:cNvPr>
@@ -990,7 +990,7 @@
           <p:cNvPr id="3" name="文本占位符 2">
             <a:extLst>
               <a:ext uri="{FF2B5EF4-FFF2-40B4-BE49-F238E27FC236}">
-                <a16:creationId xmlns:a16="http://schemas.microsoft.com/office/drawing/2014/main" id="{3BFB1F5F-3418-BF7F-5852-A2642E09F2F5}"/>
+                <a16:creationId xmlns:a16="http://schemas.microsoft.com/office/drawing/2014/main" id="{E47E3EC8-75A6-E2C8-95AC-A41989E6957F}"/>
               </a:ext>
             </a:extLst>
           </p:cNvPr>
@@ -1115,7 +1115,7 @@
           <p:cNvPr id="4" name="日期占位符 3">
             <a:extLst>
               <a:ext uri="{FF2B5EF4-FFF2-40B4-BE49-F238E27FC236}">
-                <a16:creationId xmlns:a16="http://schemas.microsoft.com/office/drawing/2014/main" id="{816DD9AB-29FB-B65B-267A-4795ADD15C68}"/>
+                <a16:creationId xmlns:a16="http://schemas.microsoft.com/office/drawing/2014/main" id="{00C218CC-44BD-D38B-3809-1F4E8AD55B02}"/>
               </a:ext>
             </a:extLst>
           </p:cNvPr>
@@ -1131,7 +1131,7 @@
           <a:bodyPr/>
           <a:lstStyle/>
           <a:p>
-            <a:fld id="{315D17DD-693D-41C5-9A22-4743F470EB0E}" type="datetimeFigureOut">
+            <a:fld id="{4225D166-6BE1-48A0-9DF5-9CD146FD6A7F}" type="datetimeFigureOut">
               <a:rPr lang="zh-CN" altLang="en-US" smtClean="0"/>
               <a:t>2024/3/10</a:t>
             </a:fld>
@@ -1144,7 +1144,7 @@
           <p:cNvPr id="5" name="页脚占位符 4">
             <a:extLst>
               <a:ext uri="{FF2B5EF4-FFF2-40B4-BE49-F238E27FC236}">
-                <a16:creationId xmlns:a16="http://schemas.microsoft.com/office/drawing/2014/main" id="{C9957D3E-895C-C603-0F67-3D9ADDB313FF}"/>
+                <a16:creationId xmlns:a16="http://schemas.microsoft.com/office/drawing/2014/main" id="{8AF7212E-CC58-702C-4D70-D016CE2EDCB1}"/>
               </a:ext>
             </a:extLst>
           </p:cNvPr>
@@ -1169,7 +1169,7 @@
           <p:cNvPr id="6" name="灯片编号占位符 5">
             <a:extLst>
               <a:ext uri="{FF2B5EF4-FFF2-40B4-BE49-F238E27FC236}">
-                <a16:creationId xmlns:a16="http://schemas.microsoft.com/office/drawing/2014/main" id="{E46043AD-26FA-466C-C715-E8B4C1660F99}"/>
+                <a16:creationId xmlns:a16="http://schemas.microsoft.com/office/drawing/2014/main" id="{25068661-139D-E6AB-C017-F323304747D4}"/>
               </a:ext>
             </a:extLst>
           </p:cNvPr>
@@ -1185,7 +1185,7 @@
           <a:bodyPr/>
           <a:lstStyle/>
           <a:p>
-            <a:fld id="{308909E7-ADE7-4F5C-92D1-40E83BE33B02}" type="slidenum">
+            <a:fld id="{22C5EF52-341C-4D6B-BE00-1826AF84C9FD}" type="slidenum">
               <a:rPr lang="zh-CN" altLang="en-US" smtClean="0"/>
               <a:t>‹#›</a:t>
             </a:fld>
@@ -1196,7 +1196,7 @@
     </p:spTree>
     <p:extLst>
       <p:ext uri="{BB962C8B-B14F-4D97-AF65-F5344CB8AC3E}">
-        <p14:creationId xmlns:p14="http://schemas.microsoft.com/office/powerpoint/2010/main" val="953383012"/>
+        <p14:creationId xmlns:p14="http://schemas.microsoft.com/office/powerpoint/2010/main" val="61667705"/>
       </p:ext>
     </p:extLst>
   </p:cSld>
@@ -1228,7 +1228,7 @@
           <p:cNvPr id="2" name="标题 1">
             <a:extLst>
               <a:ext uri="{FF2B5EF4-FFF2-40B4-BE49-F238E27FC236}">
-                <a16:creationId xmlns:a16="http://schemas.microsoft.com/office/drawing/2014/main" id="{1BEFC26B-674F-5288-7070-9B13CEE3ACA5}"/>
+                <a16:creationId xmlns:a16="http://schemas.microsoft.com/office/drawing/2014/main" id="{5E06C636-69E6-828C-4D21-E9DFA8FB5BD8}"/>
               </a:ext>
             </a:extLst>
           </p:cNvPr>
@@ -1256,7 +1256,7 @@
           <p:cNvPr id="3" name="内容占位符 2">
             <a:extLst>
               <a:ext uri="{FF2B5EF4-FFF2-40B4-BE49-F238E27FC236}">
-                <a16:creationId xmlns:a16="http://schemas.microsoft.com/office/drawing/2014/main" id="{430BA2DF-46C4-F150-88CE-48AE80FEBD50}"/>
+                <a16:creationId xmlns:a16="http://schemas.microsoft.com/office/drawing/2014/main" id="{89A453ED-8D31-D8E5-B3A8-0E4E88F05A69}"/>
               </a:ext>
             </a:extLst>
           </p:cNvPr>
@@ -1318,7 +1318,7 @@
           <p:cNvPr id="4" name="内容占位符 3">
             <a:extLst>
               <a:ext uri="{FF2B5EF4-FFF2-40B4-BE49-F238E27FC236}">
-                <a16:creationId xmlns:a16="http://schemas.microsoft.com/office/drawing/2014/main" id="{FBAC374E-309A-7595-A2B7-B50ED260E2E9}"/>
+                <a16:creationId xmlns:a16="http://schemas.microsoft.com/office/drawing/2014/main" id="{B670842C-D71B-1CB0-CC8A-742409CCFA0B}"/>
               </a:ext>
             </a:extLst>
           </p:cNvPr>
@@ -1380,7 +1380,7 @@
           <p:cNvPr id="5" name="日期占位符 4">
             <a:extLst>
               <a:ext uri="{FF2B5EF4-FFF2-40B4-BE49-F238E27FC236}">
-                <a16:creationId xmlns:a16="http://schemas.microsoft.com/office/drawing/2014/main" id="{0B36890C-8A3D-849A-A08C-8D6E86FFD67F}"/>
+                <a16:creationId xmlns:a16="http://schemas.microsoft.com/office/drawing/2014/main" id="{AE327A16-F0E5-5604-A1DB-D982B04C8385}"/>
               </a:ext>
             </a:extLst>
           </p:cNvPr>
@@ -1396,7 +1396,7 @@
           <a:bodyPr/>
           <a:lstStyle/>
           <a:p>
-            <a:fld id="{315D17DD-693D-41C5-9A22-4743F470EB0E}" type="datetimeFigureOut">
+            <a:fld id="{4225D166-6BE1-48A0-9DF5-9CD146FD6A7F}" type="datetimeFigureOut">
               <a:rPr lang="zh-CN" altLang="en-US" smtClean="0"/>
               <a:t>2024/3/10</a:t>
             </a:fld>
@@ -1409,7 +1409,7 @@
           <p:cNvPr id="6" name="页脚占位符 5">
             <a:extLst>
               <a:ext uri="{FF2B5EF4-FFF2-40B4-BE49-F238E27FC236}">
-                <a16:creationId xmlns:a16="http://schemas.microsoft.com/office/drawing/2014/main" id="{68A8351B-3AFC-0723-8A09-65F2F0BF3D52}"/>
+                <a16:creationId xmlns:a16="http://schemas.microsoft.com/office/drawing/2014/main" id="{0AC8078B-E1E3-0D47-0751-17072769531D}"/>
               </a:ext>
             </a:extLst>
           </p:cNvPr>
@@ -1434,7 +1434,7 @@
           <p:cNvPr id="7" name="灯片编号占位符 6">
             <a:extLst>
               <a:ext uri="{FF2B5EF4-FFF2-40B4-BE49-F238E27FC236}">
-                <a16:creationId xmlns:a16="http://schemas.microsoft.com/office/drawing/2014/main" id="{12CC3C36-28B3-0B0A-AFFF-9DFDE898DDBA}"/>
+                <a16:creationId xmlns:a16="http://schemas.microsoft.com/office/drawing/2014/main" id="{D904310F-18F0-9333-DD30-B55B62D69959}"/>
               </a:ext>
             </a:extLst>
           </p:cNvPr>
@@ -1450,7 +1450,7 @@
           <a:bodyPr/>
           <a:lstStyle/>
           <a:p>
-            <a:fld id="{308909E7-ADE7-4F5C-92D1-40E83BE33B02}" type="slidenum">
+            <a:fld id="{22C5EF52-341C-4D6B-BE00-1826AF84C9FD}" type="slidenum">
               <a:rPr lang="zh-CN" altLang="en-US" smtClean="0"/>
               <a:t>‹#›</a:t>
             </a:fld>
@@ -1461,7 +1461,7 @@
     </p:spTree>
     <p:extLst>
       <p:ext uri="{BB962C8B-B14F-4D97-AF65-F5344CB8AC3E}">
-        <p14:creationId xmlns:p14="http://schemas.microsoft.com/office/powerpoint/2010/main" val="4090006097"/>
+        <p14:creationId xmlns:p14="http://schemas.microsoft.com/office/powerpoint/2010/main" val="2270823685"/>
       </p:ext>
     </p:extLst>
   </p:cSld>
@@ -1493,7 +1493,7 @@
           <p:cNvPr id="2" name="标题 1">
             <a:extLst>
               <a:ext uri="{FF2B5EF4-FFF2-40B4-BE49-F238E27FC236}">
-                <a16:creationId xmlns:a16="http://schemas.microsoft.com/office/drawing/2014/main" id="{E2A7CB18-F3E6-DFC7-5BE5-2692FF681D08}"/>
+                <a16:creationId xmlns:a16="http://schemas.microsoft.com/office/drawing/2014/main" id="{239C67DC-E9CF-FFB0-315E-95F65543CFEC}"/>
               </a:ext>
             </a:extLst>
           </p:cNvPr>
@@ -1526,7 +1526,7 @@
           <p:cNvPr id="3" name="文本占位符 2">
             <a:extLst>
               <a:ext uri="{FF2B5EF4-FFF2-40B4-BE49-F238E27FC236}">
-                <a16:creationId xmlns:a16="http://schemas.microsoft.com/office/drawing/2014/main" id="{1B15CE0E-B36D-5C78-DA0C-75ACE079B14E}"/>
+                <a16:creationId xmlns:a16="http://schemas.microsoft.com/office/drawing/2014/main" id="{33F96A10-4519-8252-48E8-B6C814C5317B}"/>
               </a:ext>
             </a:extLst>
           </p:cNvPr>
@@ -1597,7 +1597,7 @@
           <p:cNvPr id="4" name="内容占位符 3">
             <a:extLst>
               <a:ext uri="{FF2B5EF4-FFF2-40B4-BE49-F238E27FC236}">
-                <a16:creationId xmlns:a16="http://schemas.microsoft.com/office/drawing/2014/main" id="{34F7B525-56B8-204D-6071-84B765D04A69}"/>
+                <a16:creationId xmlns:a16="http://schemas.microsoft.com/office/drawing/2014/main" id="{48B414CD-99C3-7826-740D-46A4671079A2}"/>
               </a:ext>
             </a:extLst>
           </p:cNvPr>
@@ -1659,7 +1659,7 @@
           <p:cNvPr id="5" name="文本占位符 4">
             <a:extLst>
               <a:ext uri="{FF2B5EF4-FFF2-40B4-BE49-F238E27FC236}">
-                <a16:creationId xmlns:a16="http://schemas.microsoft.com/office/drawing/2014/main" id="{918CF1B2-515A-A156-61CD-A2F062D7BC3A}"/>
+                <a16:creationId xmlns:a16="http://schemas.microsoft.com/office/drawing/2014/main" id="{C9C06A1C-65B3-E1A4-5D79-3BD03573A167}"/>
               </a:ext>
             </a:extLst>
           </p:cNvPr>
@@ -1730,7 +1730,7 @@
           <p:cNvPr id="6" name="内容占位符 5">
             <a:extLst>
               <a:ext uri="{FF2B5EF4-FFF2-40B4-BE49-F238E27FC236}">
-                <a16:creationId xmlns:a16="http://schemas.microsoft.com/office/drawing/2014/main" id="{3016C5B5-C3AE-E813-FB43-84E401392F84}"/>
+                <a16:creationId xmlns:a16="http://schemas.microsoft.com/office/drawing/2014/main" id="{781F8CDC-2699-9190-B80F-AA1EDC73D9A0}"/>
               </a:ext>
             </a:extLst>
           </p:cNvPr>
@@ -1792,7 +1792,7 @@
           <p:cNvPr id="7" name="日期占位符 6">
             <a:extLst>
               <a:ext uri="{FF2B5EF4-FFF2-40B4-BE49-F238E27FC236}">
-                <a16:creationId xmlns:a16="http://schemas.microsoft.com/office/drawing/2014/main" id="{0C58D87B-911F-DAB9-2721-3E9B0D8AFBFE}"/>
+                <a16:creationId xmlns:a16="http://schemas.microsoft.com/office/drawing/2014/main" id="{E0584E94-881C-D2A0-98F2-0FD1EB2AD80B}"/>
               </a:ext>
             </a:extLst>
           </p:cNvPr>
@@ -1808,7 +1808,7 @@
           <a:bodyPr/>
           <a:lstStyle/>
           <a:p>
-            <a:fld id="{315D17DD-693D-41C5-9A22-4743F470EB0E}" type="datetimeFigureOut">
+            <a:fld id="{4225D166-6BE1-48A0-9DF5-9CD146FD6A7F}" type="datetimeFigureOut">
               <a:rPr lang="zh-CN" altLang="en-US" smtClean="0"/>
               <a:t>2024/3/10</a:t>
             </a:fld>
@@ -1821,7 +1821,7 @@
           <p:cNvPr id="8" name="页脚占位符 7">
             <a:extLst>
               <a:ext uri="{FF2B5EF4-FFF2-40B4-BE49-F238E27FC236}">
-                <a16:creationId xmlns:a16="http://schemas.microsoft.com/office/drawing/2014/main" id="{3633F88E-4F6D-9946-1256-51CB4E77E2AD}"/>
+                <a16:creationId xmlns:a16="http://schemas.microsoft.com/office/drawing/2014/main" id="{4D40FF62-4845-8D38-6127-EF51C6306E39}"/>
               </a:ext>
             </a:extLst>
           </p:cNvPr>
@@ -1846,7 +1846,7 @@
           <p:cNvPr id="9" name="灯片编号占位符 8">
             <a:extLst>
               <a:ext uri="{FF2B5EF4-FFF2-40B4-BE49-F238E27FC236}">
-                <a16:creationId xmlns:a16="http://schemas.microsoft.com/office/drawing/2014/main" id="{C9ED8E0C-FD2E-67D5-CBAE-2F1DA5F22395}"/>
+                <a16:creationId xmlns:a16="http://schemas.microsoft.com/office/drawing/2014/main" id="{AD955C3B-21E8-2DE0-7782-88D5FDE46713}"/>
               </a:ext>
             </a:extLst>
           </p:cNvPr>
@@ -1862,7 +1862,7 @@
           <a:bodyPr/>
           <a:lstStyle/>
           <a:p>
-            <a:fld id="{308909E7-ADE7-4F5C-92D1-40E83BE33B02}" type="slidenum">
+            <a:fld id="{22C5EF52-341C-4D6B-BE00-1826AF84C9FD}" type="slidenum">
               <a:rPr lang="zh-CN" altLang="en-US" smtClean="0"/>
               <a:t>‹#›</a:t>
             </a:fld>
@@ -1873,7 +1873,7 @@
     </p:spTree>
     <p:extLst>
       <p:ext uri="{BB962C8B-B14F-4D97-AF65-F5344CB8AC3E}">
-        <p14:creationId xmlns:p14="http://schemas.microsoft.com/office/powerpoint/2010/main" val="58756377"/>
+        <p14:creationId xmlns:p14="http://schemas.microsoft.com/office/powerpoint/2010/main" val="1646047562"/>
       </p:ext>
     </p:extLst>
   </p:cSld>
@@ -1905,7 +1905,7 @@
           <p:cNvPr id="2" name="标题 1">
             <a:extLst>
               <a:ext uri="{FF2B5EF4-FFF2-40B4-BE49-F238E27FC236}">
-                <a16:creationId xmlns:a16="http://schemas.microsoft.com/office/drawing/2014/main" id="{AD691402-FA35-9A6A-9A9A-8397323338C3}"/>
+                <a16:creationId xmlns:a16="http://schemas.microsoft.com/office/drawing/2014/main" id="{7D4BE619-BFDE-6EEC-6BB7-110E987161F6}"/>
               </a:ext>
             </a:extLst>
           </p:cNvPr>
@@ -1933,7 +1933,7 @@
           <p:cNvPr id="3" name="日期占位符 2">
             <a:extLst>
               <a:ext uri="{FF2B5EF4-FFF2-40B4-BE49-F238E27FC236}">
-                <a16:creationId xmlns:a16="http://schemas.microsoft.com/office/drawing/2014/main" id="{E9F5D79B-49DA-F170-25B7-DD32BCBFA0BC}"/>
+                <a16:creationId xmlns:a16="http://schemas.microsoft.com/office/drawing/2014/main" id="{6DF3F178-E054-0597-A197-B917A5135A28}"/>
               </a:ext>
             </a:extLst>
           </p:cNvPr>
@@ -1949,7 +1949,7 @@
           <a:bodyPr/>
           <a:lstStyle/>
           <a:p>
-            <a:fld id="{315D17DD-693D-41C5-9A22-4743F470EB0E}" type="datetimeFigureOut">
+            <a:fld id="{4225D166-6BE1-48A0-9DF5-9CD146FD6A7F}" type="datetimeFigureOut">
               <a:rPr lang="zh-CN" altLang="en-US" smtClean="0"/>
               <a:t>2024/3/10</a:t>
             </a:fld>
@@ -1962,7 +1962,7 @@
           <p:cNvPr id="4" name="页脚占位符 3">
             <a:extLst>
               <a:ext uri="{FF2B5EF4-FFF2-40B4-BE49-F238E27FC236}">
-                <a16:creationId xmlns:a16="http://schemas.microsoft.com/office/drawing/2014/main" id="{293E36F2-0304-113A-651B-A0DBB77F2B07}"/>
+                <a16:creationId xmlns:a16="http://schemas.microsoft.com/office/drawing/2014/main" id="{3BED680A-D40F-F03B-F0AF-3973DCCB9412}"/>
               </a:ext>
             </a:extLst>
           </p:cNvPr>
@@ -1987,7 +1987,7 @@
           <p:cNvPr id="5" name="灯片编号占位符 4">
             <a:extLst>
               <a:ext uri="{FF2B5EF4-FFF2-40B4-BE49-F238E27FC236}">
-                <a16:creationId xmlns:a16="http://schemas.microsoft.com/office/drawing/2014/main" id="{68F4D818-8194-BFEA-874B-E4B30C45B1D1}"/>
+                <a16:creationId xmlns:a16="http://schemas.microsoft.com/office/drawing/2014/main" id="{D3E3AB79-08F6-0E33-7EBD-B4B53ADEB1EB}"/>
               </a:ext>
             </a:extLst>
           </p:cNvPr>
@@ -2003,7 +2003,7 @@
           <a:bodyPr/>
           <a:lstStyle/>
           <a:p>
-            <a:fld id="{308909E7-ADE7-4F5C-92D1-40E83BE33B02}" type="slidenum">
+            <a:fld id="{22C5EF52-341C-4D6B-BE00-1826AF84C9FD}" type="slidenum">
               <a:rPr lang="zh-CN" altLang="en-US" smtClean="0"/>
               <a:t>‹#›</a:t>
             </a:fld>
@@ -2014,7 +2014,7 @@
     </p:spTree>
     <p:extLst>
       <p:ext uri="{BB962C8B-B14F-4D97-AF65-F5344CB8AC3E}">
-        <p14:creationId xmlns:p14="http://schemas.microsoft.com/office/powerpoint/2010/main" val="4009868353"/>
+        <p14:creationId xmlns:p14="http://schemas.microsoft.com/office/powerpoint/2010/main" val="1162615330"/>
       </p:ext>
     </p:extLst>
   </p:cSld>
@@ -2046,7 +2046,7 @@
           <p:cNvPr id="2" name="日期占位符 1">
             <a:extLst>
               <a:ext uri="{FF2B5EF4-FFF2-40B4-BE49-F238E27FC236}">
-                <a16:creationId xmlns:a16="http://schemas.microsoft.com/office/drawing/2014/main" id="{3CA93A12-8097-114A-6EFC-8264369021A6}"/>
+                <a16:creationId xmlns:a16="http://schemas.microsoft.com/office/drawing/2014/main" id="{821D6E8A-102B-A4C5-1CE9-AA08003B8920}"/>
               </a:ext>
             </a:extLst>
           </p:cNvPr>
@@ -2062,7 +2062,7 @@
           <a:bodyPr/>
           <a:lstStyle/>
           <a:p>
-            <a:fld id="{315D17DD-693D-41C5-9A22-4743F470EB0E}" type="datetimeFigureOut">
+            <a:fld id="{4225D166-6BE1-48A0-9DF5-9CD146FD6A7F}" type="datetimeFigureOut">
               <a:rPr lang="zh-CN" altLang="en-US" smtClean="0"/>
               <a:t>2024/3/10</a:t>
             </a:fld>
@@ -2075,7 +2075,7 @@
           <p:cNvPr id="3" name="页脚占位符 2">
             <a:extLst>
               <a:ext uri="{FF2B5EF4-FFF2-40B4-BE49-F238E27FC236}">
-                <a16:creationId xmlns:a16="http://schemas.microsoft.com/office/drawing/2014/main" id="{C26516ED-177A-F53D-BCC3-CDE99A25D775}"/>
+                <a16:creationId xmlns:a16="http://schemas.microsoft.com/office/drawing/2014/main" id="{1938A39C-2242-4031-8AEC-F35782C2E9EC}"/>
               </a:ext>
             </a:extLst>
           </p:cNvPr>
@@ -2100,7 +2100,7 @@
           <p:cNvPr id="4" name="灯片编号占位符 3">
             <a:extLst>
               <a:ext uri="{FF2B5EF4-FFF2-40B4-BE49-F238E27FC236}">
-                <a16:creationId xmlns:a16="http://schemas.microsoft.com/office/drawing/2014/main" id="{9283719A-D9B7-7A40-EDD3-4D9DCC500A95}"/>
+                <a16:creationId xmlns:a16="http://schemas.microsoft.com/office/drawing/2014/main" id="{EC243E74-2C91-A187-CC13-A9F8864CD16A}"/>
               </a:ext>
             </a:extLst>
           </p:cNvPr>
@@ -2116,7 +2116,7 @@
           <a:bodyPr/>
           <a:lstStyle/>
           <a:p>
-            <a:fld id="{308909E7-ADE7-4F5C-92D1-40E83BE33B02}" type="slidenum">
+            <a:fld id="{22C5EF52-341C-4D6B-BE00-1826AF84C9FD}" type="slidenum">
               <a:rPr lang="zh-CN" altLang="en-US" smtClean="0"/>
               <a:t>‹#›</a:t>
             </a:fld>
@@ -2127,7 +2127,7 @@
     </p:spTree>
     <p:extLst>
       <p:ext uri="{BB962C8B-B14F-4D97-AF65-F5344CB8AC3E}">
-        <p14:creationId xmlns:p14="http://schemas.microsoft.com/office/powerpoint/2010/main" val="2284621589"/>
+        <p14:creationId xmlns:p14="http://schemas.microsoft.com/office/powerpoint/2010/main" val="3975217386"/>
       </p:ext>
     </p:extLst>
   </p:cSld>
@@ -2159,7 +2159,7 @@
           <p:cNvPr id="2" name="标题 1">
             <a:extLst>
               <a:ext uri="{FF2B5EF4-FFF2-40B4-BE49-F238E27FC236}">
-                <a16:creationId xmlns:a16="http://schemas.microsoft.com/office/drawing/2014/main" id="{27DF666B-B8FD-1B7E-3204-536A232D9BB4}"/>
+                <a16:creationId xmlns:a16="http://schemas.microsoft.com/office/drawing/2014/main" id="{FEE284DC-04C8-FA0E-55CF-0D96B1C71623}"/>
               </a:ext>
             </a:extLst>
           </p:cNvPr>
@@ -2196,7 +2196,7 @@
           <p:cNvPr id="3" name="内容占位符 2">
             <a:extLst>
               <a:ext uri="{FF2B5EF4-FFF2-40B4-BE49-F238E27FC236}">
-                <a16:creationId xmlns:a16="http://schemas.microsoft.com/office/drawing/2014/main" id="{6874BF9A-9292-197F-C200-DA357D30BA6D}"/>
+                <a16:creationId xmlns:a16="http://schemas.microsoft.com/office/drawing/2014/main" id="{DB2E0DAC-F2A5-AD6B-4B82-81EF1D7F3E31}"/>
               </a:ext>
             </a:extLst>
           </p:cNvPr>
@@ -2286,7 +2286,7 @@
           <p:cNvPr id="4" name="文本占位符 3">
             <a:extLst>
               <a:ext uri="{FF2B5EF4-FFF2-40B4-BE49-F238E27FC236}">
-                <a16:creationId xmlns:a16="http://schemas.microsoft.com/office/drawing/2014/main" id="{06F5FE0C-D21F-1EA0-F78A-7DDD3761C407}"/>
+                <a16:creationId xmlns:a16="http://schemas.microsoft.com/office/drawing/2014/main" id="{E61BFFEA-5876-B3D9-23BB-12715F02B129}"/>
               </a:ext>
             </a:extLst>
           </p:cNvPr>
@@ -2357,7 +2357,7 @@
           <p:cNvPr id="5" name="日期占位符 4">
             <a:extLst>
               <a:ext uri="{FF2B5EF4-FFF2-40B4-BE49-F238E27FC236}">
-                <a16:creationId xmlns:a16="http://schemas.microsoft.com/office/drawing/2014/main" id="{8D08CD4F-3DE8-F725-29D1-C1993DFC850C}"/>
+                <a16:creationId xmlns:a16="http://schemas.microsoft.com/office/drawing/2014/main" id="{F9C5D397-F4D8-75D3-C8EF-979C34AE5834}"/>
               </a:ext>
             </a:extLst>
           </p:cNvPr>
@@ -2373,7 +2373,7 @@
           <a:bodyPr/>
           <a:lstStyle/>
           <a:p>
-            <a:fld id="{315D17DD-693D-41C5-9A22-4743F470EB0E}" type="datetimeFigureOut">
+            <a:fld id="{4225D166-6BE1-48A0-9DF5-9CD146FD6A7F}" type="datetimeFigureOut">
               <a:rPr lang="zh-CN" altLang="en-US" smtClean="0"/>
               <a:t>2024/3/10</a:t>
             </a:fld>
@@ -2386,7 +2386,7 @@
           <p:cNvPr id="6" name="页脚占位符 5">
             <a:extLst>
               <a:ext uri="{FF2B5EF4-FFF2-40B4-BE49-F238E27FC236}">
-                <a16:creationId xmlns:a16="http://schemas.microsoft.com/office/drawing/2014/main" id="{6A4E37F5-39F8-5E3C-4EDD-C9EEFF6A30BE}"/>
+                <a16:creationId xmlns:a16="http://schemas.microsoft.com/office/drawing/2014/main" id="{0FCD6972-BCFB-C517-2634-82CB455D8A2E}"/>
               </a:ext>
             </a:extLst>
           </p:cNvPr>
@@ -2411,7 +2411,7 @@
           <p:cNvPr id="7" name="灯片编号占位符 6">
             <a:extLst>
               <a:ext uri="{FF2B5EF4-FFF2-40B4-BE49-F238E27FC236}">
-                <a16:creationId xmlns:a16="http://schemas.microsoft.com/office/drawing/2014/main" id="{19DE3C35-1075-570C-B96A-B15A0174138F}"/>
+                <a16:creationId xmlns:a16="http://schemas.microsoft.com/office/drawing/2014/main" id="{45D6E563-FCFE-CC1B-98A1-39C87A600432}"/>
               </a:ext>
             </a:extLst>
           </p:cNvPr>
@@ -2427,7 +2427,7 @@
           <a:bodyPr/>
           <a:lstStyle/>
           <a:p>
-            <a:fld id="{308909E7-ADE7-4F5C-92D1-40E83BE33B02}" type="slidenum">
+            <a:fld id="{22C5EF52-341C-4D6B-BE00-1826AF84C9FD}" type="slidenum">
               <a:rPr lang="zh-CN" altLang="en-US" smtClean="0"/>
               <a:t>‹#›</a:t>
             </a:fld>
@@ -2438,7 +2438,7 @@
     </p:spTree>
     <p:extLst>
       <p:ext uri="{BB962C8B-B14F-4D97-AF65-F5344CB8AC3E}">
-        <p14:creationId xmlns:p14="http://schemas.microsoft.com/office/powerpoint/2010/main" val="785828275"/>
+        <p14:creationId xmlns:p14="http://schemas.microsoft.com/office/powerpoint/2010/main" val="3730756066"/>
       </p:ext>
     </p:extLst>
   </p:cSld>
@@ -2470,7 +2470,7 @@
           <p:cNvPr id="2" name="标题 1">
             <a:extLst>
               <a:ext uri="{FF2B5EF4-FFF2-40B4-BE49-F238E27FC236}">
-                <a16:creationId xmlns:a16="http://schemas.microsoft.com/office/drawing/2014/main" id="{3510F3B0-7ABC-212A-D5D3-BA55B537A281}"/>
+                <a16:creationId xmlns:a16="http://schemas.microsoft.com/office/drawing/2014/main" id="{6D884B2B-E2B1-8506-BA1C-905E05E7BB66}"/>
               </a:ext>
             </a:extLst>
           </p:cNvPr>
@@ -2507,7 +2507,7 @@
           <p:cNvPr id="3" name="图片占位符 2">
             <a:extLst>
               <a:ext uri="{FF2B5EF4-FFF2-40B4-BE49-F238E27FC236}">
-                <a16:creationId xmlns:a16="http://schemas.microsoft.com/office/drawing/2014/main" id="{A4DD6637-F248-BE7D-485C-190C3FC9B3BB}"/>
+                <a16:creationId xmlns:a16="http://schemas.microsoft.com/office/drawing/2014/main" id="{414064F9-21E6-3A9B-9BAE-DB5334420EF2}"/>
               </a:ext>
             </a:extLst>
           </p:cNvPr>
@@ -2574,7 +2574,7 @@
           <p:cNvPr id="4" name="文本占位符 3">
             <a:extLst>
               <a:ext uri="{FF2B5EF4-FFF2-40B4-BE49-F238E27FC236}">
-                <a16:creationId xmlns:a16="http://schemas.microsoft.com/office/drawing/2014/main" id="{6C647C87-36EE-92A5-248C-6386E69E219A}"/>
+                <a16:creationId xmlns:a16="http://schemas.microsoft.com/office/drawing/2014/main" id="{3131096E-9E25-DEA6-C337-59B8A06BC0FF}"/>
               </a:ext>
             </a:extLst>
           </p:cNvPr>
@@ -2645,7 +2645,7 @@
           <p:cNvPr id="5" name="日期占位符 4">
             <a:extLst>
               <a:ext uri="{FF2B5EF4-FFF2-40B4-BE49-F238E27FC236}">
-                <a16:creationId xmlns:a16="http://schemas.microsoft.com/office/drawing/2014/main" id="{7608396E-339D-9926-EF5A-B0E53C470BF9}"/>
+                <a16:creationId xmlns:a16="http://schemas.microsoft.com/office/drawing/2014/main" id="{4B9E6347-DFA6-ADE3-E563-B37C50B7EF96}"/>
               </a:ext>
             </a:extLst>
           </p:cNvPr>
@@ -2661,7 +2661,7 @@
           <a:bodyPr/>
           <a:lstStyle/>
           <a:p>
-            <a:fld id="{315D17DD-693D-41C5-9A22-4743F470EB0E}" type="datetimeFigureOut">
+            <a:fld id="{4225D166-6BE1-48A0-9DF5-9CD146FD6A7F}" type="datetimeFigureOut">
               <a:rPr lang="zh-CN" altLang="en-US" smtClean="0"/>
               <a:t>2024/3/10</a:t>
             </a:fld>
@@ -2674,7 +2674,7 @@
           <p:cNvPr id="6" name="页脚占位符 5">
             <a:extLst>
               <a:ext uri="{FF2B5EF4-FFF2-40B4-BE49-F238E27FC236}">
-                <a16:creationId xmlns:a16="http://schemas.microsoft.com/office/drawing/2014/main" id="{CA516E4B-D792-209F-D671-00399E144200}"/>
+                <a16:creationId xmlns:a16="http://schemas.microsoft.com/office/drawing/2014/main" id="{1917B888-412A-2395-B07B-0DFCE42F7928}"/>
               </a:ext>
             </a:extLst>
           </p:cNvPr>
@@ -2699,7 +2699,7 @@
           <p:cNvPr id="7" name="灯片编号占位符 6">
             <a:extLst>
               <a:ext uri="{FF2B5EF4-FFF2-40B4-BE49-F238E27FC236}">
-                <a16:creationId xmlns:a16="http://schemas.microsoft.com/office/drawing/2014/main" id="{01D38785-BF01-DA8C-48E2-C7192765872B}"/>
+                <a16:creationId xmlns:a16="http://schemas.microsoft.com/office/drawing/2014/main" id="{145EFDD4-A21E-5639-360D-40CB3922A220}"/>
               </a:ext>
             </a:extLst>
           </p:cNvPr>
@@ -2715,7 +2715,7 @@
           <a:bodyPr/>
           <a:lstStyle/>
           <a:p>
-            <a:fld id="{308909E7-ADE7-4F5C-92D1-40E83BE33B02}" type="slidenum">
+            <a:fld id="{22C5EF52-341C-4D6B-BE00-1826AF84C9FD}" type="slidenum">
               <a:rPr lang="zh-CN" altLang="en-US" smtClean="0"/>
               <a:t>‹#›</a:t>
             </a:fld>
@@ -2726,7 +2726,7 @@
     </p:spTree>
     <p:extLst>
       <p:ext uri="{BB962C8B-B14F-4D97-AF65-F5344CB8AC3E}">
-        <p14:creationId xmlns:p14="http://schemas.microsoft.com/office/powerpoint/2010/main" val="3393110273"/>
+        <p14:creationId xmlns:p14="http://schemas.microsoft.com/office/powerpoint/2010/main" val="3777266739"/>
       </p:ext>
     </p:extLst>
   </p:cSld>
@@ -2763,7 +2763,7 @@
           <p:cNvPr id="2" name="标题占位符 1">
             <a:extLst>
               <a:ext uri="{FF2B5EF4-FFF2-40B4-BE49-F238E27FC236}">
-                <a16:creationId xmlns:a16="http://schemas.microsoft.com/office/drawing/2014/main" id="{F5742960-ACD5-D75A-24B4-782D135C6E60}"/>
+                <a16:creationId xmlns:a16="http://schemas.microsoft.com/office/drawing/2014/main" id="{6AC803CC-5E16-21AF-E247-BC47EA521917}"/>
               </a:ext>
             </a:extLst>
           </p:cNvPr>
@@ -2801,7 +2801,7 @@
           <p:cNvPr id="3" name="文本占位符 2">
             <a:extLst>
               <a:ext uri="{FF2B5EF4-FFF2-40B4-BE49-F238E27FC236}">
-                <a16:creationId xmlns:a16="http://schemas.microsoft.com/office/drawing/2014/main" id="{80E2ADC1-0056-3A8D-A140-417C163C700E}"/>
+                <a16:creationId xmlns:a16="http://schemas.microsoft.com/office/drawing/2014/main" id="{826E8BF6-B7E4-9D75-436A-4CCF80FAD4B4}"/>
               </a:ext>
             </a:extLst>
           </p:cNvPr>
@@ -2868,7 +2868,7 @@
           <p:cNvPr id="4" name="日期占位符 3">
             <a:extLst>
               <a:ext uri="{FF2B5EF4-FFF2-40B4-BE49-F238E27FC236}">
-                <a16:creationId xmlns:a16="http://schemas.microsoft.com/office/drawing/2014/main" id="{5D992B21-7523-3E3C-AB4F-78257AE9FD63}"/>
+                <a16:creationId xmlns:a16="http://schemas.microsoft.com/office/drawing/2014/main" id="{323C521D-4ABC-CFCF-20E4-5DB0C34C0EC8}"/>
               </a:ext>
             </a:extLst>
           </p:cNvPr>
@@ -2902,7 +2902,7 @@
             </a:lvl1pPr>
           </a:lstStyle>
           <a:p>
-            <a:fld id="{315D17DD-693D-41C5-9A22-4743F470EB0E}" type="datetimeFigureOut">
+            <a:fld id="{4225D166-6BE1-48A0-9DF5-9CD146FD6A7F}" type="datetimeFigureOut">
               <a:rPr lang="zh-CN" altLang="en-US" smtClean="0"/>
               <a:t>2024/3/10</a:t>
             </a:fld>
@@ -2915,7 +2915,7 @@
           <p:cNvPr id="5" name="页脚占位符 4">
             <a:extLst>
               <a:ext uri="{FF2B5EF4-FFF2-40B4-BE49-F238E27FC236}">
-                <a16:creationId xmlns:a16="http://schemas.microsoft.com/office/drawing/2014/main" id="{2190DDB9-3DDB-9DB0-0D0B-C1B5A2E3C5D4}"/>
+                <a16:creationId xmlns:a16="http://schemas.microsoft.com/office/drawing/2014/main" id="{9DC4F555-2C8D-DA71-2275-AB5E5551ABF6}"/>
               </a:ext>
             </a:extLst>
           </p:cNvPr>
@@ -2958,7 +2958,7 @@
           <p:cNvPr id="6" name="灯片编号占位符 5">
             <a:extLst>
               <a:ext uri="{FF2B5EF4-FFF2-40B4-BE49-F238E27FC236}">
-                <a16:creationId xmlns:a16="http://schemas.microsoft.com/office/drawing/2014/main" id="{E29668EA-329C-73C5-9D3C-C8FD816582E6}"/>
+                <a16:creationId xmlns:a16="http://schemas.microsoft.com/office/drawing/2014/main" id="{35F7DCDA-43F6-3E80-C996-F6497BBB5312}"/>
               </a:ext>
             </a:extLst>
           </p:cNvPr>
@@ -2992,7 +2992,7 @@
             </a:lvl1pPr>
           </a:lstStyle>
           <a:p>
-            <a:fld id="{308909E7-ADE7-4F5C-92D1-40E83BE33B02}" type="slidenum">
+            <a:fld id="{22C5EF52-341C-4D6B-BE00-1826AF84C9FD}" type="slidenum">
               <a:rPr lang="zh-CN" altLang="en-US" smtClean="0"/>
               <a:t>‹#›</a:t>
             </a:fld>
@@ -3003,7 +3003,7 @@
     </p:spTree>
     <p:extLst>
       <p:ext uri="{BB962C8B-B14F-4D97-AF65-F5344CB8AC3E}">
-        <p14:creationId xmlns:p14="http://schemas.microsoft.com/office/powerpoint/2010/main" val="969094784"/>
+        <p14:creationId xmlns:p14="http://schemas.microsoft.com/office/powerpoint/2010/main" val="2409593542"/>
       </p:ext>
     </p:extLst>
   </p:cSld>
@@ -3323,7 +3323,7 @@
       </p:grpSpPr>
       <p:pic>
         <p:nvPicPr>
-          <p:cNvPr id="1590274" name="Picture 2" descr="1552"/>
+          <p:cNvPr id="1591298" name="Picture 2" descr="1553"/>
           <p:cNvPicPr>
             <a:picLocks noChangeAspect="1" noChangeArrowheads="1"/>
           </p:cNvPicPr>
@@ -3344,8 +3344,8 @@
         </p:blipFill>
         <p:spPr bwMode="auto">
           <a:xfrm>
-            <a:off x="1543050" y="14288"/>
-            <a:ext cx="9124950" cy="6843712"/>
+            <a:off x="1524001" y="0"/>
+            <a:ext cx="9053513" cy="6789738"/>
           </a:xfrm>
           <a:prstGeom prst="rect">
             <a:avLst/>
